--- a/Later/JavaIO/JavaIO_104/Java PushbackReader class.pptx
+++ b/Later/JavaIO/JavaIO_104/Java PushbackReader class.pptx
@@ -195,7 +195,7 @@
           <a:p>
             <a:fld id="{62274EC6-3890-417B-9308-14EFBD00FA63}" type="datetimeFigureOut">
               <a:rPr lang="en-US" smtClean="0"/>
-              <a:t>9/15/2016</a:t>
+              <a:t>9/19/2016</a:t>
             </a:fld>
             <a:endParaRPr lang="en-US" dirty="0"/>
           </a:p>
@@ -1001,7 +1001,7 @@
             <a:fld id="{1D8BD707-D9CF-40AE-B4C6-C98DA3205C09}" type="datetimeFigureOut">
               <a:rPr lang="en-US" smtClean="0"/>
               <a:pPr/>
-              <a:t>9/15/2016</a:t>
+              <a:t>9/19/2016</a:t>
             </a:fld>
             <a:endParaRPr lang="en-US" dirty="0"/>
           </a:p>
@@ -1173,7 +1173,7 @@
             <a:fld id="{1D8BD707-D9CF-40AE-B4C6-C98DA3205C09}" type="datetimeFigureOut">
               <a:rPr lang="en-US" smtClean="0"/>
               <a:pPr/>
-              <a:t>9/15/2016</a:t>
+              <a:t>9/19/2016</a:t>
             </a:fld>
             <a:endParaRPr lang="en-US" dirty="0"/>
           </a:p>
@@ -1355,7 +1355,7 @@
             <a:fld id="{1D8BD707-D9CF-40AE-B4C6-C98DA3205C09}" type="datetimeFigureOut">
               <a:rPr lang="en-US" smtClean="0"/>
               <a:pPr/>
-              <a:t>9/15/2016</a:t>
+              <a:t>9/19/2016</a:t>
             </a:fld>
             <a:endParaRPr lang="en-US" dirty="0"/>
           </a:p>
@@ -1527,7 +1527,7 @@
             <a:fld id="{1D8BD707-D9CF-40AE-B4C6-C98DA3205C09}" type="datetimeFigureOut">
               <a:rPr lang="en-US" smtClean="0"/>
               <a:pPr/>
-              <a:t>9/15/2016</a:t>
+              <a:t>9/19/2016</a:t>
             </a:fld>
             <a:endParaRPr lang="en-US" dirty="0"/>
           </a:p>
@@ -1775,7 +1775,7 @@
             <a:fld id="{1D8BD707-D9CF-40AE-B4C6-C98DA3205C09}" type="datetimeFigureOut">
               <a:rPr lang="en-US" smtClean="0"/>
               <a:pPr/>
-              <a:t>9/15/2016</a:t>
+              <a:t>9/19/2016</a:t>
             </a:fld>
             <a:endParaRPr lang="en-US" dirty="0"/>
           </a:p>
@@ -2065,7 +2065,7 @@
             <a:fld id="{1D8BD707-D9CF-40AE-B4C6-C98DA3205C09}" type="datetimeFigureOut">
               <a:rPr lang="en-US" smtClean="0"/>
               <a:pPr/>
-              <a:t>9/15/2016</a:t>
+              <a:t>9/19/2016</a:t>
             </a:fld>
             <a:endParaRPr lang="en-US" dirty="0"/>
           </a:p>
@@ -2494,7 +2494,7 @@
             <a:fld id="{1D8BD707-D9CF-40AE-B4C6-C98DA3205C09}" type="datetimeFigureOut">
               <a:rPr lang="en-US" smtClean="0"/>
               <a:pPr/>
-              <a:t>9/15/2016</a:t>
+              <a:t>9/19/2016</a:t>
             </a:fld>
             <a:endParaRPr lang="en-US" dirty="0"/>
           </a:p>
@@ -2614,7 +2614,7 @@
             <a:fld id="{1D8BD707-D9CF-40AE-B4C6-C98DA3205C09}" type="datetimeFigureOut">
               <a:rPr lang="en-US" smtClean="0"/>
               <a:pPr/>
-              <a:t>9/15/2016</a:t>
+              <a:t>9/19/2016</a:t>
             </a:fld>
             <a:endParaRPr lang="en-US" dirty="0"/>
           </a:p>
@@ -2711,7 +2711,7 @@
             <a:fld id="{1D8BD707-D9CF-40AE-B4C6-C98DA3205C09}" type="datetimeFigureOut">
               <a:rPr lang="en-US" smtClean="0"/>
               <a:pPr/>
-              <a:t>9/15/2016</a:t>
+              <a:t>9/19/2016</a:t>
             </a:fld>
             <a:endParaRPr lang="en-US" dirty="0"/>
           </a:p>
@@ -2990,7 +2990,7 @@
             <a:fld id="{1D8BD707-D9CF-40AE-B4C6-C98DA3205C09}" type="datetimeFigureOut">
               <a:rPr lang="en-US" smtClean="0"/>
               <a:pPr/>
-              <a:t>9/15/2016</a:t>
+              <a:t>9/19/2016</a:t>
             </a:fld>
             <a:endParaRPr lang="en-US" dirty="0"/>
           </a:p>
@@ -3245,7 +3245,7 @@
             <a:fld id="{1D8BD707-D9CF-40AE-B4C6-C98DA3205C09}" type="datetimeFigureOut">
               <a:rPr lang="en-US" smtClean="0"/>
               <a:pPr/>
-              <a:t>9/15/2016</a:t>
+              <a:t>9/19/2016</a:t>
             </a:fld>
             <a:endParaRPr lang="en-US" dirty="0"/>
           </a:p>
@@ -3460,7 +3460,7 @@
             <a:fld id="{1D8BD707-D9CF-40AE-B4C6-C98DA3205C09}" type="datetimeFigureOut">
               <a:rPr lang="en-US" smtClean="0"/>
               <a:pPr/>
-              <a:t>9/15/2016</a:t>
+              <a:t>9/19/2016</a:t>
             </a:fld>
             <a:endParaRPr lang="en-US" dirty="0"/>
           </a:p>
@@ -4013,13 +4013,13 @@
         </p:nvSpPr>
         <p:spPr>
           <a:xfrm>
-            <a:off x="640919" y="762000"/>
-            <a:ext cx="7788275" cy="1219200"/>
+            <a:off x="307975" y="381000"/>
+            <a:ext cx="8683625" cy="2057400"/>
           </a:xfrm>
           <a:prstGeom prst="wedgeRoundRectCallout">
             <a:avLst>
-              <a:gd name="adj1" fmla="val 6050"/>
-              <a:gd name="adj2" fmla="val 119052"/>
+              <a:gd name="adj1" fmla="val -6629"/>
+              <a:gd name="adj2" fmla="val 69978"/>
               <a:gd name="adj3" fmla="val 16667"/>
             </a:avLst>
           </a:prstGeom>
@@ -4115,19 +4115,7 @@
             </a:r>
             <a:r>
               <a:rPr lang="en-US" sz="1100" dirty="0"/>
-              <a:t>you to push back the read characters into the </a:t>
-            </a:r>
-            <a:r>
-              <a:rPr lang="en-US" sz="1100" dirty="0"/>
-              <a:t>Reader</a:t>
-            </a:r>
-            <a:r>
-              <a:rPr lang="en-US" sz="1100" dirty="0"/>
-              <a:t>. These characters will then be read again the next time you call </a:t>
-            </a:r>
-            <a:r>
-              <a:rPr lang="en-US" sz="1100" dirty="0"/>
-              <a:t>read</a:t>
+              <a:t>you to push back the read characters into the Reader. These characters will then be read again the next time you call read</a:t>
             </a:r>
             <a:r>
               <a:rPr lang="en-US" sz="1100" dirty="0" smtClean="0"/>
@@ -4172,7 +4160,68 @@
             </a:r>
             <a:r>
               <a:rPr lang="en-US" sz="1100" dirty="0"/>
-              <a:t> works on characters, whereas the PushbackInputStream works on bytes.</a:t>
+              <a:t> works on characters, whereas the PushbackInputStream works on bytes</a:t>
+            </a:r>
+            <a:r>
+              <a:rPr lang="en-US" sz="1100" dirty="0" smtClean="0"/>
+              <a:t>.</a:t>
+            </a:r>
+          </a:p>
+          <a:p>
+            <a:pPr marL="171450" indent="-171450">
+              <a:buFont typeface="Wingdings" pitchFamily="2" charset="2"/>
+              <a:buChar char="ü"/>
+            </a:pPr>
+            <a:endParaRPr lang="en-US" sz="1100" dirty="0"/>
+          </a:p>
+          <a:p>
+            <a:pPr marL="171450" indent="-171450">
+              <a:buFont typeface="Wingdings" pitchFamily="2" charset="2"/>
+              <a:buChar char="ü"/>
+            </a:pPr>
+            <a:r>
+              <a:rPr lang="en-US" sz="1100" dirty="0"/>
+              <a:t>The </a:t>
+            </a:r>
+            <a:r>
+              <a:rPr lang="en-US" sz="1100" b="1" dirty="0">
+                <a:solidFill>
+                  <a:srgbClr val="002060"/>
+                </a:solidFill>
+              </a:rPr>
+              <a:t>PushbackReader</a:t>
+            </a:r>
+            <a:r>
+              <a:rPr lang="en-US" sz="1100" dirty="0">
+                <a:solidFill>
+                  <a:srgbClr val="002060"/>
+                </a:solidFill>
+              </a:rPr>
+              <a:t> </a:t>
+            </a:r>
+            <a:r>
+              <a:rPr lang="en-US" sz="1100" dirty="0"/>
+              <a:t>is useful when you parse data from a Reader. Sometimes you would have the requirement to read ahead a few characters to see what is coming next, before you can determine how to </a:t>
+            </a:r>
+            <a:r>
+              <a:rPr lang="en-US" sz="1100" dirty="0" smtClean="0"/>
+              <a:t>interpret </a:t>
+            </a:r>
+            <a:r>
+              <a:rPr lang="en-US" sz="1100" dirty="0"/>
+              <a:t>the current character. The </a:t>
+            </a:r>
+            <a:r>
+              <a:rPr lang="en-US" sz="1100" b="1" dirty="0">
+                <a:solidFill>
+                  <a:srgbClr val="002060"/>
+                </a:solidFill>
+              </a:rPr>
+              <a:t>PushbackReader</a:t>
+            </a:r>
+            <a:r>
+              <a:rPr lang="en-US" sz="1100" dirty="0"/>
+              <a:t> allows that facility for the programmers.</a:t>
             </a:r>
             <a:endParaRPr lang="en-US" sz="1100" dirty="0"/>
           </a:p>
@@ -4333,27 +4382,7 @@
             <a:pPr algn="ctr"/>
             <a:r>
               <a:rPr lang="en-US" sz="1200" dirty="0" smtClean="0"/>
-              <a:t>Reader</a:t>
-            </a:r>
-            <a:r>
-              <a:rPr lang="en-US" sz="1200" dirty="0" smtClean="0"/>
-              <a:t>(</a:t>
-            </a:r>
-            <a:r>
-              <a:rPr lang="en-US" sz="1200" dirty="0" smtClean="0"/>
-              <a:t>i.e</a:t>
-            </a:r>
-            <a:r>
-              <a:rPr lang="en-US" sz="1200" dirty="0" smtClean="0"/>
-              <a:t> </a:t>
-            </a:r>
-            <a:r>
-              <a:rPr lang="en-US" sz="1200" dirty="0" smtClean="0"/>
-              <a:t>FileReader</a:t>
-            </a:r>
-            <a:r>
-              <a:rPr lang="en-US" sz="1200" dirty="0" smtClean="0"/>
-              <a:t>)</a:t>
+              <a:t>Reader(i.e FileReader)</a:t>
             </a:r>
             <a:endParaRPr lang="en-US" sz="1200" dirty="0"/>
           </a:p>
@@ -4521,11 +4550,7 @@
             </a:r>
             <a:r>
               <a:rPr lang="en-US" sz="1200" dirty="0" smtClean="0"/>
-              <a:t>PushbackReader </a:t>
-            </a:r>
-            <a:r>
-              <a:rPr lang="en-US" sz="1200" dirty="0" smtClean="0"/>
-              <a:t>class </a:t>
+              <a:t>PushbackReader class </a:t>
             </a:r>
             <a:endParaRPr lang="en-US" sz="1200" dirty="0"/>
           </a:p>
@@ -4706,11 +4731,7 @@
             </a:r>
             <a:r>
               <a:rPr lang="en-US" sz="1200" dirty="0" smtClean="0"/>
-              <a:t>PushbackReader </a:t>
-            </a:r>
-            <a:r>
-              <a:rPr lang="en-US" sz="1200" dirty="0" smtClean="0"/>
-              <a:t>class </a:t>
+              <a:t>PushbackReader class </a:t>
             </a:r>
             <a:endParaRPr lang="en-US" sz="1200" dirty="0"/>
           </a:p>
@@ -4895,11 +4916,7 @@
             </a:r>
             <a:r>
               <a:rPr lang="en-US" sz="1200" dirty="0" smtClean="0"/>
-              <a:t>PushbackReader </a:t>
-            </a:r>
-            <a:r>
-              <a:rPr lang="en-US" sz="1200" dirty="0" smtClean="0"/>
-              <a:t>class </a:t>
+              <a:t>PushbackReader class </a:t>
             </a:r>
             <a:endParaRPr lang="en-US" sz="1200" dirty="0"/>
           </a:p>
@@ -5038,11 +5055,7 @@
             </a:r>
             <a:r>
               <a:rPr lang="en-US" sz="1200" dirty="0" smtClean="0"/>
-              <a:t>PushbackReader </a:t>
-            </a:r>
-            <a:r>
-              <a:rPr lang="en-US" sz="1200" dirty="0" smtClean="0"/>
-              <a:t>class </a:t>
+              <a:t>PushbackReader class </a:t>
             </a:r>
             <a:endParaRPr lang="en-US" sz="1200" dirty="0"/>
           </a:p>
